--- a/speaker-poster/ppt/Speakers.pptx
+++ b/speaker-poster/ppt/Speakers.pptx
@@ -307,7 +307,7 @@
           <a:p>
             <a:fld id="{4734258E-F4BA-40A9-ADC0-291CE1545D60}" type="datetimeFigureOut">
               <a:rPr lang="en-IN" smtClean="0"/>
-              <a:t>22-08-2021</a:t>
+              <a:t>23-08-2021</a:t>
             </a:fld>
             <a:endParaRPr lang="en-IN"/>
           </a:p>
@@ -507,7 +507,7 @@
           <a:p>
             <a:fld id="{4734258E-F4BA-40A9-ADC0-291CE1545D60}" type="datetimeFigureOut">
               <a:rPr lang="en-IN" smtClean="0"/>
-              <a:t>22-08-2021</a:t>
+              <a:t>23-08-2021</a:t>
             </a:fld>
             <a:endParaRPr lang="en-IN"/>
           </a:p>
@@ -717,7 +717,7 @@
           <a:p>
             <a:fld id="{4734258E-F4BA-40A9-ADC0-291CE1545D60}" type="datetimeFigureOut">
               <a:rPr lang="en-IN" smtClean="0"/>
-              <a:t>22-08-2021</a:t>
+              <a:t>23-08-2021</a:t>
             </a:fld>
             <a:endParaRPr lang="en-IN"/>
           </a:p>
@@ -917,7 +917,7 @@
           <a:p>
             <a:fld id="{4734258E-F4BA-40A9-ADC0-291CE1545D60}" type="datetimeFigureOut">
               <a:rPr lang="en-IN" smtClean="0"/>
-              <a:t>22-08-2021</a:t>
+              <a:t>23-08-2021</a:t>
             </a:fld>
             <a:endParaRPr lang="en-IN"/>
           </a:p>
@@ -1193,7 +1193,7 @@
           <a:p>
             <a:fld id="{4734258E-F4BA-40A9-ADC0-291CE1545D60}" type="datetimeFigureOut">
               <a:rPr lang="en-IN" smtClean="0"/>
-              <a:t>22-08-2021</a:t>
+              <a:t>23-08-2021</a:t>
             </a:fld>
             <a:endParaRPr lang="en-IN"/>
           </a:p>
@@ -1461,7 +1461,7 @@
           <a:p>
             <a:fld id="{4734258E-F4BA-40A9-ADC0-291CE1545D60}" type="datetimeFigureOut">
               <a:rPr lang="en-IN" smtClean="0"/>
-              <a:t>22-08-2021</a:t>
+              <a:t>23-08-2021</a:t>
             </a:fld>
             <a:endParaRPr lang="en-IN"/>
           </a:p>
@@ -1876,7 +1876,7 @@
           <a:p>
             <a:fld id="{4734258E-F4BA-40A9-ADC0-291CE1545D60}" type="datetimeFigureOut">
               <a:rPr lang="en-IN" smtClean="0"/>
-              <a:t>22-08-2021</a:t>
+              <a:t>23-08-2021</a:t>
             </a:fld>
             <a:endParaRPr lang="en-IN"/>
           </a:p>
@@ -2018,7 +2018,7 @@
           <a:p>
             <a:fld id="{4734258E-F4BA-40A9-ADC0-291CE1545D60}" type="datetimeFigureOut">
               <a:rPr lang="en-IN" smtClean="0"/>
-              <a:t>22-08-2021</a:t>
+              <a:t>23-08-2021</a:t>
             </a:fld>
             <a:endParaRPr lang="en-IN"/>
           </a:p>
@@ -2131,7 +2131,7 @@
           <a:p>
             <a:fld id="{4734258E-F4BA-40A9-ADC0-291CE1545D60}" type="datetimeFigureOut">
               <a:rPr lang="en-IN" smtClean="0"/>
-              <a:t>22-08-2021</a:t>
+              <a:t>23-08-2021</a:t>
             </a:fld>
             <a:endParaRPr lang="en-IN"/>
           </a:p>
@@ -2444,7 +2444,7 @@
           <a:p>
             <a:fld id="{4734258E-F4BA-40A9-ADC0-291CE1545D60}" type="datetimeFigureOut">
               <a:rPr lang="en-IN" smtClean="0"/>
-              <a:t>22-08-2021</a:t>
+              <a:t>23-08-2021</a:t>
             </a:fld>
             <a:endParaRPr lang="en-IN"/>
           </a:p>
@@ -2733,7 +2733,7 @@
           <a:p>
             <a:fld id="{4734258E-F4BA-40A9-ADC0-291CE1545D60}" type="datetimeFigureOut">
               <a:rPr lang="en-IN" smtClean="0"/>
-              <a:t>22-08-2021</a:t>
+              <a:t>23-08-2021</a:t>
             </a:fld>
             <a:endParaRPr lang="en-IN"/>
           </a:p>
@@ -2976,7 +2976,7 @@
           <a:p>
             <a:fld id="{4734258E-F4BA-40A9-ADC0-291CE1545D60}" type="datetimeFigureOut">
               <a:rPr lang="en-IN" smtClean="0"/>
-              <a:t>22-08-2021</a:t>
+              <a:t>23-08-2021</a:t>
             </a:fld>
             <a:endParaRPr lang="en-IN"/>
           </a:p>
@@ -22795,6 +22795,113 @@
           </a:p>
         </p:txBody>
       </p:sp>
+      <p:pic>
+        <p:nvPicPr>
+          <p:cNvPr id="17" name="Picture 16" descr="Icon&#10;&#10;Description automatically generated">
+            <a:extLst>
+              <a:ext uri="{FF2B5EF4-FFF2-40B4-BE49-F238E27FC236}">
+                <a16:creationId xmlns:a16="http://schemas.microsoft.com/office/drawing/2014/main" id="{167CF9B8-429B-41E6-9FCA-3BA72CDDE05B}"/>
+              </a:ext>
+            </a:extLst>
+          </p:cNvPr>
+          <p:cNvPicPr>
+            <a:picLocks noChangeAspect="1"/>
+          </p:cNvPicPr>
+          <p:nvPr/>
+        </p:nvPicPr>
+        <p:blipFill>
+          <a:blip r:embed="rId9">
+            <a:extLst>
+              <a:ext uri="{28A0092B-C50C-407E-A947-70E740481C1C}">
+                <a14:useLocalDpi xmlns:a14="http://schemas.microsoft.com/office/drawing/2010/main" val="0"/>
+              </a:ext>
+            </a:extLst>
+          </a:blip>
+          <a:stretch>
+            <a:fillRect/>
+          </a:stretch>
+        </p:blipFill>
+        <p:spPr>
+          <a:xfrm>
+            <a:off x="513183" y="3660866"/>
+            <a:ext cx="200489" cy="200489"/>
+          </a:xfrm>
+          <a:prstGeom prst="rect">
+            <a:avLst/>
+          </a:prstGeom>
+        </p:spPr>
+      </p:pic>
+      <p:sp>
+        <p:nvSpPr>
+          <p:cNvPr id="19" name="TextBox 18">
+            <a:extLst>
+              <a:ext uri="{FF2B5EF4-FFF2-40B4-BE49-F238E27FC236}">
+                <a16:creationId xmlns:a16="http://schemas.microsoft.com/office/drawing/2014/main" id="{7E475C8F-F729-4370-BED4-3152610E6344}"/>
+              </a:ext>
+            </a:extLst>
+          </p:cNvPr>
+          <p:cNvSpPr txBox="1"/>
+          <p:nvPr/>
+        </p:nvSpPr>
+        <p:spPr>
+          <a:xfrm>
+            <a:off x="708823" y="3630305"/>
+            <a:ext cx="2132164" cy="415498"/>
+          </a:xfrm>
+          <a:prstGeom prst="rect">
+            <a:avLst/>
+          </a:prstGeom>
+          <a:noFill/>
+        </p:spPr>
+        <p:txBody>
+          <a:bodyPr wrap="square" rtlCol="0">
+            <a:spAutoFit/>
+          </a:bodyPr>
+          <a:lstStyle/>
+          <a:p>
+            <a:r>
+              <a:rPr lang="en-IN" sz="1050" dirty="0">
+                <a:solidFill>
+                  <a:schemeClr val="tx1">
+                    <a:lumMod val="50000"/>
+                    <a:lumOff val="50000"/>
+                  </a:schemeClr>
+                </a:solidFill>
+              </a:rPr>
+              <a:t>Sergey </a:t>
+            </a:r>
+            <a:r>
+              <a:rPr lang="en-IN" sz="1050" dirty="0" err="1">
+                <a:solidFill>
+                  <a:schemeClr val="tx1">
+                    <a:lumMod val="50000"/>
+                    <a:lumOff val="50000"/>
+                  </a:schemeClr>
+                </a:solidFill>
+              </a:rPr>
+              <a:t>Chubarov</a:t>
+            </a:r>
+            <a:endParaRPr lang="en-IN" sz="1050" dirty="0">
+              <a:solidFill>
+                <a:schemeClr val="tx1">
+                  <a:lumMod val="50000"/>
+                  <a:lumOff val="50000"/>
+                </a:schemeClr>
+              </a:solidFill>
+            </a:endParaRPr>
+          </a:p>
+          <a:p>
+            <a:endParaRPr lang="en-IN" sz="1050" dirty="0">
+              <a:solidFill>
+                <a:schemeClr val="tx1">
+                  <a:lumMod val="50000"/>
+                  <a:lumOff val="50000"/>
+                </a:schemeClr>
+              </a:solidFill>
+            </a:endParaRPr>
+          </a:p>
+        </p:txBody>
+      </p:sp>
     </p:spTree>
     <p:extLst>
       <p:ext uri="{BB962C8B-B14F-4D97-AF65-F5344CB8AC3E}">
